--- a/slides/FOSDEM_2017/SPARK.pptx
+++ b/slides/FOSDEM_2017/SPARK.pptx
@@ -253,7 +253,7 @@
           <a:p>
             <a:fld id="{D2911513-289F-9946-9DBB-17E880D7618E}" type="datetimeFigureOut">
               <a:rPr lang="fr-FR" smtClean="0"/>
-              <a:t>10/01/2017</a:t>
+              <a:t>11/01/2017</a:t>
             </a:fld>
             <a:endParaRPr lang="fr-FR"/>
           </a:p>
@@ -423,7 +423,7 @@
           <a:p>
             <a:fld id="{D2911513-289F-9946-9DBB-17E880D7618E}" type="datetimeFigureOut">
               <a:rPr lang="fr-FR" smtClean="0"/>
-              <a:t>10/01/2017</a:t>
+              <a:t>11/01/2017</a:t>
             </a:fld>
             <a:endParaRPr lang="fr-FR"/>
           </a:p>
@@ -603,7 +603,7 @@
           <a:p>
             <a:fld id="{D2911513-289F-9946-9DBB-17E880D7618E}" type="datetimeFigureOut">
               <a:rPr lang="fr-FR" smtClean="0"/>
-              <a:t>10/01/2017</a:t>
+              <a:t>11/01/2017</a:t>
             </a:fld>
             <a:endParaRPr lang="fr-FR"/>
           </a:p>
@@ -773,7 +773,7 @@
           <a:p>
             <a:fld id="{D2911513-289F-9946-9DBB-17E880D7618E}" type="datetimeFigureOut">
               <a:rPr lang="fr-FR" smtClean="0"/>
-              <a:t>10/01/2017</a:t>
+              <a:t>11/01/2017</a:t>
             </a:fld>
             <a:endParaRPr lang="fr-FR"/>
           </a:p>
@@ -1019,7 +1019,7 @@
           <a:p>
             <a:fld id="{D2911513-289F-9946-9DBB-17E880D7618E}" type="datetimeFigureOut">
               <a:rPr lang="fr-FR" smtClean="0"/>
-              <a:t>10/01/2017</a:t>
+              <a:t>11/01/2017</a:t>
             </a:fld>
             <a:endParaRPr lang="fr-FR"/>
           </a:p>
@@ -1251,7 +1251,7 @@
           <a:p>
             <a:fld id="{D2911513-289F-9946-9DBB-17E880D7618E}" type="datetimeFigureOut">
               <a:rPr lang="fr-FR" smtClean="0"/>
-              <a:t>10/01/2017</a:t>
+              <a:t>11/01/2017</a:t>
             </a:fld>
             <a:endParaRPr lang="fr-FR"/>
           </a:p>
@@ -1618,7 +1618,7 @@
           <a:p>
             <a:fld id="{D2911513-289F-9946-9DBB-17E880D7618E}" type="datetimeFigureOut">
               <a:rPr lang="fr-FR" smtClean="0"/>
-              <a:t>10/01/2017</a:t>
+              <a:t>11/01/2017</a:t>
             </a:fld>
             <a:endParaRPr lang="fr-FR"/>
           </a:p>
@@ -1736,7 +1736,7 @@
           <a:p>
             <a:fld id="{D2911513-289F-9946-9DBB-17E880D7618E}" type="datetimeFigureOut">
               <a:rPr lang="fr-FR" smtClean="0"/>
-              <a:t>10/01/2017</a:t>
+              <a:t>11/01/2017</a:t>
             </a:fld>
             <a:endParaRPr lang="fr-FR"/>
           </a:p>
@@ -1831,7 +1831,7 @@
           <a:p>
             <a:fld id="{D2911513-289F-9946-9DBB-17E880D7618E}" type="datetimeFigureOut">
               <a:rPr lang="fr-FR" smtClean="0"/>
-              <a:t>10/01/2017</a:t>
+              <a:t>11/01/2017</a:t>
             </a:fld>
             <a:endParaRPr lang="fr-FR"/>
           </a:p>
@@ -2108,7 +2108,7 @@
           <a:p>
             <a:fld id="{D2911513-289F-9946-9DBB-17E880D7618E}" type="datetimeFigureOut">
               <a:rPr lang="fr-FR" smtClean="0"/>
-              <a:t>10/01/2017</a:t>
+              <a:t>11/01/2017</a:t>
             </a:fld>
             <a:endParaRPr lang="fr-FR"/>
           </a:p>
@@ -2361,7 +2361,7 @@
           <a:p>
             <a:fld id="{D2911513-289F-9946-9DBB-17E880D7618E}" type="datetimeFigureOut">
               <a:rPr lang="fr-FR" smtClean="0"/>
-              <a:t>10/01/2017</a:t>
+              <a:t>11/01/2017</a:t>
             </a:fld>
             <a:endParaRPr lang="fr-FR"/>
           </a:p>
@@ -2574,7 +2574,7 @@
           <a:p>
             <a:fld id="{D2911513-289F-9946-9DBB-17E880D7618E}" type="datetimeFigureOut">
               <a:rPr lang="fr-FR" smtClean="0"/>
-              <a:t>10/01/2017</a:t>
+              <a:t>11/01/2017</a:t>
             </a:fld>
             <a:endParaRPr lang="fr-FR"/>
           </a:p>
@@ -3956,64 +3956,6 @@
       </p:grpSpPr>
       <p:pic>
         <p:nvPicPr>
-          <p:cNvPr id="5" name="Image 4"/>
-          <p:cNvPicPr>
-            <a:picLocks noChangeAspect="1"/>
-          </p:cNvPicPr>
-          <p:nvPr/>
-        </p:nvPicPr>
-        <p:blipFill rotWithShape="1">
-          <a:blip r:embed="rId2">
-            <a:extLst>
-              <a:ext uri="{28A0092B-C50C-407E-A947-70E740481C1C}">
-                <a14:useLocalDpi xmlns:a14="http://schemas.microsoft.com/office/drawing/2010/main" val="0"/>
-              </a:ext>
-            </a:extLst>
-          </a:blip>
-          <a:srcRect t="24999" b="19117"/>
-          <a:stretch/>
-        </p:blipFill>
-        <p:spPr>
-          <a:xfrm>
-            <a:off x="-1" y="-1"/>
-            <a:ext cx="6120000" cy="3420000"/>
-          </a:xfrm>
-          <a:prstGeom prst="rect">
-            <a:avLst/>
-          </a:prstGeom>
-        </p:spPr>
-      </p:pic>
-      <p:pic>
-        <p:nvPicPr>
-          <p:cNvPr id="6" name="Image 5"/>
-          <p:cNvPicPr>
-            <a:picLocks noChangeAspect="1"/>
-          </p:cNvPicPr>
-          <p:nvPr/>
-        </p:nvPicPr>
-        <p:blipFill rotWithShape="1">
-          <a:blip r:embed="rId3">
-            <a:extLst>
-              <a:ext uri="{28A0092B-C50C-407E-A947-70E740481C1C}">
-                <a14:useLocalDpi xmlns:a14="http://schemas.microsoft.com/office/drawing/2010/main" val="0"/>
-              </a:ext>
-            </a:extLst>
-          </a:blip>
-          <a:srcRect r="10526"/>
-          <a:stretch/>
-        </p:blipFill>
-        <p:spPr>
-          <a:xfrm>
-            <a:off x="6072000" y="0"/>
-            <a:ext cx="6120000" cy="3420000"/>
-          </a:xfrm>
-          <a:prstGeom prst="rect">
-            <a:avLst/>
-          </a:prstGeom>
-        </p:spPr>
-      </p:pic>
-      <p:pic>
-        <p:nvPicPr>
           <p:cNvPr id="8" name="Image 7"/>
           <p:cNvPicPr>
             <a:picLocks noChangeAspect="1"/>
@@ -4021,7 +3963,7 @@
           <p:nvPr/>
         </p:nvPicPr>
         <p:blipFill>
-          <a:blip r:embed="rId4">
+          <a:blip r:embed="rId2">
             <a:extLst>
               <a:ext uri="{28A0092B-C50C-407E-A947-70E740481C1C}">
                 <a14:useLocalDpi xmlns:a14="http://schemas.microsoft.com/office/drawing/2010/main" val="0"/>
@@ -4034,8 +3976,66 @@
         </p:blipFill>
         <p:spPr>
           <a:xfrm>
-            <a:off x="-1" y="3419999"/>
-            <a:ext cx="6072001" cy="3674339"/>
+            <a:off x="-1" y="3260035"/>
+            <a:ext cx="5975534" cy="3615964"/>
+          </a:xfrm>
+          <a:prstGeom prst="rect">
+            <a:avLst/>
+          </a:prstGeom>
+        </p:spPr>
+      </p:pic>
+      <p:pic>
+        <p:nvPicPr>
+          <p:cNvPr id="5" name="Image 4"/>
+          <p:cNvPicPr>
+            <a:picLocks noChangeAspect="1"/>
+          </p:cNvPicPr>
+          <p:nvPr/>
+        </p:nvPicPr>
+        <p:blipFill rotWithShape="1">
+          <a:blip r:embed="rId3">
+            <a:extLst>
+              <a:ext uri="{28A0092B-C50C-407E-A947-70E740481C1C}">
+                <a14:useLocalDpi xmlns:a14="http://schemas.microsoft.com/office/drawing/2010/main" val="0"/>
+              </a:ext>
+            </a:extLst>
+          </a:blip>
+          <a:srcRect t="24999" b="19117"/>
+          <a:stretch/>
+        </p:blipFill>
+        <p:spPr>
+          <a:xfrm>
+            <a:off x="-1" y="-1"/>
+            <a:ext cx="6120000" cy="3420000"/>
+          </a:xfrm>
+          <a:prstGeom prst="rect">
+            <a:avLst/>
+          </a:prstGeom>
+        </p:spPr>
+      </p:pic>
+      <p:pic>
+        <p:nvPicPr>
+          <p:cNvPr id="6" name="Image 5"/>
+          <p:cNvPicPr>
+            <a:picLocks noChangeAspect="1"/>
+          </p:cNvPicPr>
+          <p:nvPr/>
+        </p:nvPicPr>
+        <p:blipFill rotWithShape="1">
+          <a:blip r:embed="rId4">
+            <a:extLst>
+              <a:ext uri="{28A0092B-C50C-407E-A947-70E740481C1C}">
+                <a14:useLocalDpi xmlns:a14="http://schemas.microsoft.com/office/drawing/2010/main" val="0"/>
+              </a:ext>
+            </a:extLst>
+          </a:blip>
+          <a:srcRect r="10526"/>
+          <a:stretch/>
+        </p:blipFill>
+        <p:spPr>
+          <a:xfrm>
+            <a:off x="6072000" y="0"/>
+            <a:ext cx="6120000" cy="3420000"/>
           </a:xfrm>
           <a:prstGeom prst="rect">
             <a:avLst/>
@@ -4106,6 +4106,35 @@
           </a:p>
         </p:txBody>
       </p:sp>
+      <p:pic>
+        <p:nvPicPr>
+          <p:cNvPr id="11" name="Image 10"/>
+          <p:cNvPicPr>
+            <a:picLocks noChangeAspect="1"/>
+          </p:cNvPicPr>
+          <p:nvPr/>
+        </p:nvPicPr>
+        <p:blipFill rotWithShape="1">
+          <a:blip r:embed="rId5">
+            <a:extLst>
+              <a:ext uri="{28A0092B-C50C-407E-A947-70E740481C1C}">
+                <a14:useLocalDpi xmlns:a14="http://schemas.microsoft.com/office/drawing/2010/main" val="0"/>
+              </a:ext>
+            </a:extLst>
+          </a:blip>
+          <a:srcRect t="22493" b="8019"/>
+          <a:stretch/>
+        </p:blipFill>
+        <p:spPr>
+          <a:xfrm>
+            <a:off x="3274418" y="3419999"/>
+            <a:ext cx="2797582" cy="3456000"/>
+          </a:xfrm>
+          <a:prstGeom prst="rect">
+            <a:avLst/>
+          </a:prstGeom>
+        </p:spPr>
+      </p:pic>
     </p:spTree>
     <p:extLst>
       <p:ext uri="{BB962C8B-B14F-4D97-AF65-F5344CB8AC3E}">
